--- a/Formats/Formats.pptx
+++ b/Formats/Formats.pptx
@@ -3104,7 +3104,7 @@
             <a:spLocks noGrp="1"/>
           </p:cNvSpPr>
           <p:nvPr>
-            <p:ph type="title"/>
+            <p:ph type="ctrTitle"/>
           </p:nvPr>
         </p:nvSpPr>
         <p:spPr/>
@@ -3120,12 +3120,12 @@
       </p:sp>
       <p:sp>
         <p:nvSpPr>
-          <p:cNvPr id="3" name="Content Placeholder 2"/>
-          <p:cNvSpPr>
-            <a:spLocks noGrp="1"/>
-          </p:cNvSpPr>
-          <p:nvPr>
-            <p:ph idx="1"/>
+          <p:cNvPr id="3" name="Subtitle 2"/>
+          <p:cNvSpPr>
+            <a:spLocks noGrp="1"/>
+          </p:cNvSpPr>
+          <p:nvPr>
+            <p:ph type="subTitle" idx="1"/>
           </p:nvPr>
         </p:nvSpPr>
         <p:spPr/>
@@ -3166,12 +3166,12 @@
       <p:grpSpPr/>
       <p:sp>
         <p:nvSpPr>
-          <p:cNvPr id="2" name="Vertical Title 1"/>
-          <p:cNvSpPr>
-            <a:spLocks noGrp="1"/>
-          </p:cNvSpPr>
-          <p:nvPr>
-            <p:ph type="title" orient="vert"/>
+          <p:cNvPr id="2" name="Title 1"/>
+          <p:cNvSpPr>
+            <a:spLocks noGrp="1"/>
+          </p:cNvSpPr>
+          <p:nvPr>
+            <p:ph type="title"/>
           </p:nvPr>
         </p:nvSpPr>
         <p:spPr/>
@@ -3249,12 +3249,12 @@
       </p:sp>
       <p:sp>
         <p:nvSpPr>
-          <p:cNvPr id="3" name="Text Placeholder 2"/>
-          <p:cNvSpPr>
-            <a:spLocks noGrp="1"/>
-          </p:cNvSpPr>
-          <p:nvPr>
-            <p:ph type="body" idx="1"/>
+          <p:cNvPr id="3" name="Content Placeholder 2"/>
+          <p:cNvSpPr>
+            <a:spLocks noGrp="1"/>
+          </p:cNvSpPr>
+          <p:nvPr>
+            <p:ph idx="1"/>
           </p:nvPr>
         </p:nvSpPr>
         <p:spPr/>
@@ -3321,12 +3321,12 @@
       </p:sp>
       <p:sp>
         <p:nvSpPr>
-          <p:cNvPr id="3" name="Content Placeholder 2"/>
-          <p:cNvSpPr>
-            <a:spLocks noGrp="1"/>
-          </p:cNvSpPr>
-          <p:nvPr>
-            <p:ph idx="1" sz="half"/>
+          <p:cNvPr id="3" name="Text Placeholder 2"/>
+          <p:cNvSpPr>
+            <a:spLocks noGrp="1"/>
+          </p:cNvSpPr>
+          <p:nvPr>
+            <p:ph type="body" idx="1"/>
           </p:nvPr>
         </p:nvSpPr>
         <p:spPr/>
@@ -3339,23 +3339,6 @@
               <a:t>Content 1</a:t>
             </a:r>
           </a:p>
-          <a:p/>
-        </p:txBody>
-      </p:sp>
-      <p:sp>
-        <p:nvSpPr>
-          <p:cNvPr id="4" name="Content Placeholder 3"/>
-          <p:cNvSpPr>
-            <a:spLocks noGrp="1"/>
-          </p:cNvSpPr>
-          <p:nvPr>
-            <p:ph idx="2" sz="half"/>
-          </p:nvPr>
-        </p:nvSpPr>
-        <p:spPr/>
-        <p:txBody>
-          <a:bodyPr/>
-          <a:lstStyle/>
           <a:p/>
         </p:txBody>
       </p:sp>
@@ -3400,12 +3383,12 @@
       </p:sp>
       <p:sp>
         <p:nvSpPr>
-          <p:cNvPr id="3" name="Text Placeholder 2"/>
-          <p:cNvSpPr>
-            <a:spLocks noGrp="1"/>
-          </p:cNvSpPr>
-          <p:nvPr>
-            <p:ph type="body" idx="1"/>
+          <p:cNvPr id="3" name="Content Placeholder 2"/>
+          <p:cNvSpPr>
+            <a:spLocks noGrp="1"/>
+          </p:cNvSpPr>
+          <p:nvPr>
+            <p:ph idx="1" sz="half"/>
           </p:nvPr>
         </p:nvSpPr>
         <p:spPr/>
@@ -3429,40 +3412,6 @@
           </p:cNvSpPr>
           <p:nvPr>
             <p:ph idx="2" sz="half"/>
-          </p:nvPr>
-        </p:nvSpPr>
-        <p:spPr/>
-        <p:txBody>
-          <a:bodyPr/>
-          <a:lstStyle/>
-          <a:p/>
-        </p:txBody>
-      </p:sp>
-      <p:sp>
-        <p:nvSpPr>
-          <p:cNvPr id="5" name="Text Placeholder 4"/>
-          <p:cNvSpPr>
-            <a:spLocks noGrp="1"/>
-          </p:cNvSpPr>
-          <p:nvPr>
-            <p:ph type="body" idx="3" sz="quarter"/>
-          </p:nvPr>
-        </p:nvSpPr>
-        <p:spPr/>
-        <p:txBody>
-          <a:bodyPr/>
-          <a:lstStyle/>
-          <a:p/>
-        </p:txBody>
-      </p:sp>
-      <p:sp>
-        <p:nvSpPr>
-          <p:cNvPr id="6" name="Content Placeholder 5"/>
-          <p:cNvSpPr>
-            <a:spLocks noGrp="1"/>
-          </p:cNvSpPr>
-          <p:nvPr>
-            <p:ph idx="4" sz="quarter"/>
           </p:nvPr>
         </p:nvSpPr>
         <p:spPr/>
@@ -3511,6 +3460,74 @@
           </a:p>
         </p:txBody>
       </p:sp>
+      <p:sp>
+        <p:nvSpPr>
+          <p:cNvPr id="3" name="Text Placeholder 2"/>
+          <p:cNvSpPr>
+            <a:spLocks noGrp="1"/>
+          </p:cNvSpPr>
+          <p:nvPr>
+            <p:ph type="body" idx="1"/>
+          </p:nvPr>
+        </p:nvSpPr>
+        <p:spPr/>
+        <p:txBody>
+          <a:bodyPr/>
+          <a:lstStyle/>
+          <a:p/>
+        </p:txBody>
+      </p:sp>
+      <p:sp>
+        <p:nvSpPr>
+          <p:cNvPr id="4" name="Content Placeholder 3"/>
+          <p:cNvSpPr>
+            <a:spLocks noGrp="1"/>
+          </p:cNvSpPr>
+          <p:nvPr>
+            <p:ph idx="2" sz="half"/>
+          </p:nvPr>
+        </p:nvSpPr>
+        <p:spPr/>
+        <p:txBody>
+          <a:bodyPr/>
+          <a:lstStyle/>
+          <a:p/>
+        </p:txBody>
+      </p:sp>
+      <p:sp>
+        <p:nvSpPr>
+          <p:cNvPr id="5" name="Text Placeholder 4"/>
+          <p:cNvSpPr>
+            <a:spLocks noGrp="1"/>
+          </p:cNvSpPr>
+          <p:nvPr>
+            <p:ph type="body" idx="3" sz="quarter"/>
+          </p:nvPr>
+        </p:nvSpPr>
+        <p:spPr/>
+        <p:txBody>
+          <a:bodyPr/>
+          <a:lstStyle/>
+          <a:p/>
+        </p:txBody>
+      </p:sp>
+      <p:sp>
+        <p:nvSpPr>
+          <p:cNvPr id="6" name="Content Placeholder 5"/>
+          <p:cNvSpPr>
+            <a:spLocks noGrp="1"/>
+          </p:cNvSpPr>
+          <p:nvPr>
+            <p:ph idx="4" sz="quarter"/>
+          </p:nvPr>
+        </p:nvSpPr>
+        <p:spPr/>
+        <p:txBody>
+          <a:bodyPr/>
+          <a:lstStyle/>
+          <a:p/>
+        </p:txBody>
+      </p:sp>
     </p:spTree>
   </p:cSld>
   <p:clrMapOvr>
@@ -3529,6 +3546,23 @@
         <p:nvPr/>
       </p:nvGrpSpPr>
       <p:grpSpPr/>
+      <p:sp>
+        <p:nvSpPr>
+          <p:cNvPr id="2" name="Title 1"/>
+          <p:cNvSpPr>
+            <a:spLocks noGrp="1"/>
+          </p:cNvSpPr>
+          <p:nvPr>
+            <p:ph type="title"/>
+          </p:nvPr>
+        </p:nvSpPr>
+        <p:spPr/>
+        <p:txBody>
+          <a:bodyPr/>
+          <a:lstStyle/>
+          <a:p/>
+        </p:txBody>
+      </p:sp>
     </p:spTree>
   </p:cSld>
   <p:clrMapOvr>
@@ -3547,57 +3581,6 @@
         <p:nvPr/>
       </p:nvGrpSpPr>
       <p:grpSpPr/>
-      <p:sp>
-        <p:nvSpPr>
-          <p:cNvPr id="2" name="Title 1"/>
-          <p:cNvSpPr>
-            <a:spLocks noGrp="1"/>
-          </p:cNvSpPr>
-          <p:nvPr>
-            <p:ph type="title"/>
-          </p:nvPr>
-        </p:nvSpPr>
-        <p:spPr/>
-        <p:txBody>
-          <a:bodyPr/>
-          <a:lstStyle/>
-          <a:p/>
-        </p:txBody>
-      </p:sp>
-      <p:sp>
-        <p:nvSpPr>
-          <p:cNvPr id="3" name="Content Placeholder 2"/>
-          <p:cNvSpPr>
-            <a:spLocks noGrp="1"/>
-          </p:cNvSpPr>
-          <p:nvPr>
-            <p:ph idx="1"/>
-          </p:nvPr>
-        </p:nvSpPr>
-        <p:spPr/>
-        <p:txBody>
-          <a:bodyPr/>
-          <a:lstStyle/>
-          <a:p/>
-        </p:txBody>
-      </p:sp>
-      <p:sp>
-        <p:nvSpPr>
-          <p:cNvPr id="4" name="Text Placeholder 3"/>
-          <p:cNvSpPr>
-            <a:spLocks noGrp="1"/>
-          </p:cNvSpPr>
-          <p:nvPr>
-            <p:ph type="body" idx="2" sz="half"/>
-          </p:nvPr>
-        </p:nvSpPr>
-        <p:spPr/>
-        <p:txBody>
-          <a:bodyPr/>
-          <a:lstStyle/>
-          <a:p/>
-        </p:txBody>
-      </p:sp>
     </p:spTree>
   </p:cSld>
   <p:clrMapOvr>
@@ -3639,15 +3622,20 @@
       </p:sp>
       <p:sp>
         <p:nvSpPr>
-          <p:cNvPr id="3" name="Picture Placeholder 2"/>
-          <p:cNvSpPr>
-            <a:spLocks noGrp="1"/>
-          </p:cNvSpPr>
-          <p:nvPr>
-            <p:ph type="pic" idx="1"/>
-          </p:nvPr>
-        </p:nvSpPr>
-        <p:spPr/>
+          <p:cNvPr id="3" name="Content Placeholder 2"/>
+          <p:cNvSpPr>
+            <a:spLocks noGrp="1"/>
+          </p:cNvSpPr>
+          <p:nvPr>
+            <p:ph idx="1"/>
+          </p:nvPr>
+        </p:nvSpPr>
+        <p:spPr/>
+        <p:txBody>
+          <a:bodyPr/>
+          <a:lstStyle/>
+          <a:p/>
+        </p:txBody>
       </p:sp>
       <p:sp>
         <p:nvSpPr>
@@ -3707,24 +3695,40 @@
       </p:sp>
       <p:sp>
         <p:nvSpPr>
-          <p:cNvPr id="3" name="Vertical Text Placeholder 2"/>
-          <p:cNvSpPr>
-            <a:spLocks noGrp="1"/>
-          </p:cNvSpPr>
-          <p:nvPr>
-            <p:ph type="body" idx="1" orient="vert"/>
-          </p:nvPr>
-        </p:nvSpPr>
-        <p:spPr/>
-        <p:txBody>
-          <a:bodyPr/>
-          <a:lstStyle/>
+          <p:cNvPr id="3" name="Picture Placeholder 2"/>
+          <p:cNvSpPr>
+            <a:spLocks noGrp="1"/>
+          </p:cNvSpPr>
+          <p:nvPr>
+            <p:ph type="pic" idx="1"/>
+          </p:nvPr>
+        </p:nvSpPr>
+        <p:spPr/>
+        <p:txBody>
+          <a:bodyPr/>
           <a:p/>
           <a:p>
             <a:r>
               <a:t>Content 1</a:t>
             </a:r>
           </a:p>
+          <a:p/>
+        </p:txBody>
+      </p:sp>
+      <p:sp>
+        <p:nvSpPr>
+          <p:cNvPr id="4" name="Text Placeholder 3"/>
+          <p:cNvSpPr>
+            <a:spLocks noGrp="1"/>
+          </p:cNvSpPr>
+          <p:nvPr>
+            <p:ph type="body" idx="2" sz="half"/>
+          </p:nvPr>
+        </p:nvSpPr>
+        <p:spPr/>
+        <p:txBody>
+          <a:bodyPr/>
+          <a:lstStyle/>
           <a:p/>
         </p:txBody>
       </p:sp>
